--- a/Bloque IV. ML/IV.4. Métodos Avanzados.pptx
+++ b/Bloque IV. ML/IV.4. Métodos Avanzados.pptx
@@ -225,7 +225,7 @@
             <a:fld id="{B3E16CF3-8537-4774-A9FC-A2A5296655A0}" type="datetimeFigureOut">
               <a:rPr lang="es-ES" smtClean="0"/>
               <a:pPr/>
-              <a:t>27/06/2018</a:t>
+              <a:t>28/06/2018</a:t>
             </a:fld>
             <a:endParaRPr lang="es-ES"/>
           </a:p>
@@ -678,7 +678,7 @@
             <a:fld id="{7A847CFC-816F-41D0-AAC0-9BF4FEBC753E}" type="datetimeFigureOut">
               <a:rPr lang="es-ES" smtClean="0"/>
               <a:pPr/>
-              <a:t>27/06/2018</a:t>
+              <a:t>28/06/2018</a:t>
             </a:fld>
             <a:endParaRPr lang="es-ES"/>
           </a:p>
@@ -845,7 +845,7 @@
             <a:fld id="{7A847CFC-816F-41D0-AAC0-9BF4FEBC753E}" type="datetimeFigureOut">
               <a:rPr lang="es-ES" smtClean="0"/>
               <a:pPr/>
-              <a:t>27/06/2018</a:t>
+              <a:t>28/06/2018</a:t>
             </a:fld>
             <a:endParaRPr lang="es-ES"/>
           </a:p>
@@ -1022,7 +1022,7 @@
             <a:fld id="{7A847CFC-816F-41D0-AAC0-9BF4FEBC753E}" type="datetimeFigureOut">
               <a:rPr lang="es-ES" smtClean="0"/>
               <a:pPr/>
-              <a:t>27/06/2018</a:t>
+              <a:t>28/06/2018</a:t>
             </a:fld>
             <a:endParaRPr lang="es-ES"/>
           </a:p>
@@ -1189,7 +1189,7 @@
             <a:fld id="{7A847CFC-816F-41D0-AAC0-9BF4FEBC753E}" type="datetimeFigureOut">
               <a:rPr lang="es-ES" smtClean="0"/>
               <a:pPr/>
-              <a:t>27/06/2018</a:t>
+              <a:t>28/06/2018</a:t>
             </a:fld>
             <a:endParaRPr lang="es-ES"/>
           </a:p>
@@ -1432,7 +1432,7 @@
             <a:fld id="{7A847CFC-816F-41D0-AAC0-9BF4FEBC753E}" type="datetimeFigureOut">
               <a:rPr lang="es-ES" smtClean="0"/>
               <a:pPr/>
-              <a:t>27/06/2018</a:t>
+              <a:t>28/06/2018</a:t>
             </a:fld>
             <a:endParaRPr lang="es-ES"/>
           </a:p>
@@ -1717,7 +1717,7 @@
             <a:fld id="{7A847CFC-816F-41D0-AAC0-9BF4FEBC753E}" type="datetimeFigureOut">
               <a:rPr lang="es-ES" smtClean="0"/>
               <a:pPr/>
-              <a:t>27/06/2018</a:t>
+              <a:t>28/06/2018</a:t>
             </a:fld>
             <a:endParaRPr lang="es-ES"/>
           </a:p>
@@ -2136,7 +2136,7 @@
             <a:fld id="{7A847CFC-816F-41D0-AAC0-9BF4FEBC753E}" type="datetimeFigureOut">
               <a:rPr lang="es-ES" smtClean="0"/>
               <a:pPr/>
-              <a:t>27/06/2018</a:t>
+              <a:t>28/06/2018</a:t>
             </a:fld>
             <a:endParaRPr lang="es-ES"/>
           </a:p>
@@ -2251,7 +2251,7 @@
             <a:fld id="{7A847CFC-816F-41D0-AAC0-9BF4FEBC753E}" type="datetimeFigureOut">
               <a:rPr lang="es-ES" smtClean="0"/>
               <a:pPr/>
-              <a:t>27/06/2018</a:t>
+              <a:t>28/06/2018</a:t>
             </a:fld>
             <a:endParaRPr lang="es-ES"/>
           </a:p>
@@ -2343,7 +2343,7 @@
             <a:fld id="{7A847CFC-816F-41D0-AAC0-9BF4FEBC753E}" type="datetimeFigureOut">
               <a:rPr lang="es-ES" smtClean="0"/>
               <a:pPr/>
-              <a:t>27/06/2018</a:t>
+              <a:t>28/06/2018</a:t>
             </a:fld>
             <a:endParaRPr lang="es-ES"/>
           </a:p>
@@ -2617,7 +2617,7 @@
             <a:fld id="{7A847CFC-816F-41D0-AAC0-9BF4FEBC753E}" type="datetimeFigureOut">
               <a:rPr lang="es-ES" smtClean="0"/>
               <a:pPr/>
-              <a:t>27/06/2018</a:t>
+              <a:t>28/06/2018</a:t>
             </a:fld>
             <a:endParaRPr lang="es-ES"/>
           </a:p>
@@ -2867,7 +2867,7 @@
             <a:fld id="{7A847CFC-816F-41D0-AAC0-9BF4FEBC753E}" type="datetimeFigureOut">
               <a:rPr lang="es-ES" smtClean="0"/>
               <a:pPr/>
-              <a:t>27/06/2018</a:t>
+              <a:t>28/06/2018</a:t>
             </a:fld>
             <a:endParaRPr lang="es-ES"/>
           </a:p>
@@ -3077,7 +3077,7 @@
             <a:fld id="{7A847CFC-816F-41D0-AAC0-9BF4FEBC753E}" type="datetimeFigureOut">
               <a:rPr lang="es-ES" smtClean="0"/>
               <a:pPr/>
-              <a:t>27/06/2018</a:t>
+              <a:t>28/06/2018</a:t>
             </a:fld>
             <a:endParaRPr lang="es-ES"/>
           </a:p>
@@ -3790,11 +3790,7 @@
           <a:p>
             <a:r>
               <a:rPr lang="es-ES" dirty="0" smtClean="0"/>
-              <a:t>Originalmente basado </a:t>
-            </a:r>
-            <a:r>
-              <a:rPr lang="es-ES" dirty="0" smtClean="0"/>
-              <a:t>en Redes </a:t>
+              <a:t>Originalmente basado en Redes </a:t>
             </a:r>
             <a:br>
               <a:rPr lang="es-ES" dirty="0" smtClean="0"/>
@@ -3803,7 +3799,6 @@
               <a:rPr lang="es-ES" dirty="0" smtClean="0"/>
               <a:t>Neuronales:</a:t>
             </a:r>
-            <a:endParaRPr lang="es-ES" dirty="0" smtClean="0"/>
           </a:p>
           <a:p>
             <a:pPr lvl="1"/>
@@ -3811,20 +3806,12 @@
               <a:rPr lang="es-ES" dirty="0" smtClean="0"/>
               <a:t>El término Deep hace alusión a la </a:t>
             </a:r>
-            <a:r>
-              <a:rPr lang="es-ES" dirty="0" smtClean="0"/>
-              <a:t/>
-            </a:r>
             <a:br>
               <a:rPr lang="es-ES" dirty="0" smtClean="0"/>
             </a:br>
             <a:r>
               <a:rPr lang="es-ES" dirty="0" smtClean="0"/>
-              <a:t>profundidad </a:t>
-            </a:r>
-            <a:r>
-              <a:rPr lang="es-ES" dirty="0" smtClean="0"/>
-              <a:t>de capas ocultas con las que trabajar</a:t>
+              <a:t>profundidad de capas ocultas con las que trabajar</a:t>
             </a:r>
           </a:p>
           <a:p>
@@ -3999,22 +3986,14 @@
             <a:pPr lvl="1"/>
             <a:r>
               <a:rPr lang="es-ES" dirty="0" smtClean="0"/>
-              <a:t>busca no depender de una </a:t>
-            </a:r>
-            <a:r>
-              <a:rPr lang="es-ES" dirty="0" smtClean="0"/>
-              <a:t>representación </a:t>
+              <a:t>busca no depender de una representación </a:t>
             </a:r>
             <a:br>
               <a:rPr lang="es-ES" dirty="0" smtClean="0"/>
             </a:br>
             <a:r>
               <a:rPr lang="es-ES" dirty="0" smtClean="0"/>
-              <a:t>prefijada</a:t>
-            </a:r>
-            <a:r>
-              <a:rPr lang="es-ES" dirty="0" smtClean="0"/>
-              <a:t>, </a:t>
+              <a:t>prefijada, </a:t>
             </a:r>
           </a:p>
           <a:p>
@@ -4206,19 +4185,7 @@
           <a:p>
             <a:r>
               <a:rPr lang="es-ES" dirty="0" smtClean="0"/>
-              <a:t>Analicemos qué pasa si buscamos que </a:t>
-            </a:r>
-            <a:r>
-              <a:rPr lang="es-ES" dirty="0" smtClean="0"/>
-              <a:t>la salida </a:t>
-            </a:r>
-            <a:r>
-              <a:rPr lang="es-ES" dirty="0" smtClean="0"/>
-              <a:t>de una red sea exacta a la entrada… (sobre un conjunto de datos </a:t>
-            </a:r>
-            <a:r>
-              <a:rPr lang="es-ES" dirty="0" smtClean="0"/>
-              <a:t>limitado)</a:t>
+              <a:t>Analicemos qué pasa si buscamos que la salida de una red sea exacta a la entrada… (sobre un conjunto de datos limitado)</a:t>
             </a:r>
           </a:p>
           <a:p>
@@ -4227,41 +4194,21 @@
           <a:p>
             <a:r>
               <a:rPr lang="es-ES" dirty="0" smtClean="0"/>
-              <a:t>Y </a:t>
-            </a:r>
-            <a:r>
-              <a:rPr lang="es-ES" dirty="0" smtClean="0"/>
-              <a:t>ahora además pongamos </a:t>
-            </a:r>
-            <a:r>
-              <a:rPr lang="es-ES" dirty="0" smtClean="0"/>
-              <a:t/>
+              <a:t>Y ahora además pongamos </a:t>
             </a:r>
             <a:br>
               <a:rPr lang="es-ES" dirty="0" smtClean="0"/>
             </a:br>
             <a:r>
               <a:rPr lang="es-ES" dirty="0" smtClean="0"/>
-              <a:t>varias capas en </a:t>
-            </a:r>
-            <a:r>
-              <a:rPr lang="es-ES" dirty="0" smtClean="0"/>
-              <a:t>medio, con </a:t>
-            </a:r>
-            <a:r>
-              <a:rPr lang="es-ES" dirty="0" smtClean="0"/>
-              <a:t/>
+              <a:t>varias capas en medio, con </a:t>
             </a:r>
             <a:br>
               <a:rPr lang="es-ES" dirty="0" smtClean="0"/>
             </a:br>
             <a:r>
               <a:rPr lang="es-ES" dirty="0" smtClean="0"/>
-              <a:t>distintos tamaños</a:t>
-            </a:r>
-            <a:r>
-              <a:rPr lang="es-ES" dirty="0" smtClean="0"/>
-              <a:t>…</a:t>
+              <a:t>distintos tamaños…</a:t>
             </a:r>
           </a:p>
           <a:p>
@@ -4273,11 +4220,7 @@
           <a:p>
             <a:r>
               <a:rPr lang="es-ES" dirty="0" smtClean="0"/>
-              <a:t>Si </a:t>
-            </a:r>
-            <a:r>
-              <a:rPr lang="es-ES" dirty="0" smtClean="0"/>
-              <a:t>se consigue calcular la salida correctamente… ¿qué ha pasado en medio de la red?, ¿qué información dan los valores calculados en las capas intermedias?</a:t>
+              <a:t>Si se consigue calcular la salida correctamente… ¿qué ha pasado en medio de la red?, ¿qué información dan los valores calculados en las capas intermedias?</a:t>
             </a:r>
           </a:p>
         </p:txBody>
@@ -4656,9 +4599,9 @@
           </a:stretch>
         </p:blipFill>
         <p:spPr bwMode="auto">
-          <a:xfrm flipV="1">
-            <a:off x="1282688" y="4149080"/>
-            <a:ext cx="4860305" cy="1824375"/>
+          <a:xfrm rot="10800000" flipH="1" flipV="1">
+            <a:off x="1055440" y="4149080"/>
+            <a:ext cx="6021754" cy="2118966"/>
           </a:xfrm>
           <a:prstGeom prst="rect">
             <a:avLst/>
